--- a/presentation.pptx
+++ b/presentation.pptx
@@ -1718,7 +1718,7 @@
         </p:nvSpPr>
         <p:spPr>
           <a:xfrm>
-            <a:off x="381300" y="685800"/>
+            <a:off x="381000" y="685800"/>
             <a:ext cx="6096000" cy="3429000"/>
           </a:xfrm>
           <a:custGeom>
@@ -1822,7 +1822,7 @@
         </p:nvSpPr>
         <p:spPr>
           <a:xfrm>
-            <a:off x="381300" y="685800"/>
+            <a:off x="381000" y="685800"/>
             <a:ext cx="6096000" cy="3429000"/>
           </a:xfrm>
           <a:custGeom>
@@ -18273,7 +18273,13 @@
         <p:nvGraphicFramePr>
           <p:cNvPr id="262" name="Google Shape;262;p37"/>
           <p:cNvGraphicFramePr/>
-          <p:nvPr/>
+          <p:nvPr>
+            <p:extLst>
+              <p:ext uri="{D42A27DB-BD31-4B8C-83A1-F6EECF244321}">
+                <p14:modId xmlns:p14="http://schemas.microsoft.com/office/powerpoint/2010/main" val="513926666"/>
+              </p:ext>
+            </p:extLst>
+          </p:nvPr>
         </p:nvGraphicFramePr>
         <p:xfrm>
           <a:off x="1864575" y="234325"/>
@@ -19199,10 +19205,10 @@
                         <a:buNone/>
                       </a:pPr>
                       <a:r>
-                        <a:rPr lang="en" sz="2400" b="1"/>
-                        <a:t>🠔</a:t>
+                        <a:rPr lang="en" sz="2400" b="1" dirty="0"/>
+                        <a:t>←</a:t>
                       </a:r>
-                      <a:endParaRPr sz="2400" b="1"/>
+                      <a:endParaRPr sz="2400" b="1" dirty="0"/>
                     </a:p>
                   </a:txBody>
                   <a:tcPr marL="28575" marR="28575" marT="19050" marB="19050" anchor="b">
@@ -19262,10 +19268,10 @@
                         <a:buNone/>
                       </a:pPr>
                       <a:r>
-                        <a:rPr lang="en" sz="2400" b="1"/>
-                        <a:t>🠔</a:t>
+                        <a:rPr lang="en" sz="2400" b="1" dirty="0"/>
+                        <a:t>←</a:t>
                       </a:r>
-                      <a:endParaRPr sz="2400" b="1"/>
+                      <a:endParaRPr sz="2400" b="1" dirty="0"/>
                     </a:p>
                   </a:txBody>
                   <a:tcPr marL="28575" marR="28575" marT="19050" marB="19050" anchor="b">
@@ -19325,10 +19331,10 @@
                         <a:buNone/>
                       </a:pPr>
                       <a:r>
-                        <a:rPr lang="en" sz="2400" b="1"/>
-                        <a:t>🠔</a:t>
+                        <a:rPr lang="en" sz="2400" b="1" dirty="0"/>
+                        <a:t>←</a:t>
                       </a:r>
-                      <a:endParaRPr sz="2400" b="1"/>
+                      <a:endParaRPr sz="2400" b="1" dirty="0"/>
                     </a:p>
                   </a:txBody>
                   <a:tcPr marL="28575" marR="28575" marT="19050" marB="19050" anchor="b">
@@ -19388,10 +19394,10 @@
                         <a:buNone/>
                       </a:pPr>
                       <a:r>
-                        <a:rPr lang="en" sz="2400" b="1"/>
-                        <a:t>🠔</a:t>
+                        <a:rPr lang="en" sz="2400" b="1" dirty="0"/>
+                        <a:t>←</a:t>
                       </a:r>
-                      <a:endParaRPr sz="2400" b="1"/>
+                      <a:endParaRPr sz="2400" b="1" dirty="0"/>
                     </a:p>
                   </a:txBody>
                   <a:tcPr marL="28575" marR="28575" marT="19050" marB="19050" anchor="b">
@@ -19451,10 +19457,10 @@
                         <a:buNone/>
                       </a:pPr>
                       <a:r>
-                        <a:rPr lang="en" sz="2400" b="1"/>
-                        <a:t>🠔</a:t>
+                        <a:rPr lang="en" sz="2400" b="1" dirty="0"/>
+                        <a:t>←</a:t>
                       </a:r>
-                      <a:endParaRPr sz="2400" b="1"/>
+                      <a:endParaRPr sz="2400" b="1" dirty="0"/>
                     </a:p>
                   </a:txBody>
                   <a:tcPr marL="28575" marR="28575" marT="19050" marB="19050" anchor="b">
@@ -19514,10 +19520,10 @@
                         <a:buNone/>
                       </a:pPr>
                       <a:r>
-                        <a:rPr lang="en" sz="2400" b="1"/>
-                        <a:t>🠔</a:t>
+                        <a:rPr lang="en" sz="2400" b="1" dirty="0"/>
+                        <a:t>←</a:t>
                       </a:r>
-                      <a:endParaRPr sz="2400" b="1"/>
+                      <a:endParaRPr sz="2400" b="1" dirty="0"/>
                     </a:p>
                   </a:txBody>
                   <a:tcPr marL="28575" marR="28575" marT="19050" marB="19050" anchor="b">
@@ -19577,10 +19583,10 @@
                         <a:buNone/>
                       </a:pPr>
                       <a:r>
-                        <a:rPr lang="en" sz="2400" b="1"/>
-                        <a:t>🠕</a:t>
+                        <a:rPr lang="en" sz="2400" b="1" dirty="0"/>
+                        <a:t>↑</a:t>
                       </a:r>
-                      <a:endParaRPr sz="2400" b="1"/>
+                      <a:endParaRPr sz="2400" b="1" dirty="0"/>
                     </a:p>
                   </a:txBody>
                   <a:tcPr marL="28575" marR="28575" marT="19050" marB="19050" anchor="b">
@@ -19647,7 +19653,7 @@
                         <a:buNone/>
                       </a:pPr>
                       <a:r>
-                        <a:rPr lang="en" sz="1100">
+                        <a:rPr lang="en" sz="1100" dirty="0">
                           <a:latin typeface="Calibri"/>
                           <a:ea typeface="Calibri"/>
                           <a:cs typeface="Calibri"/>
@@ -19655,7 +19661,7 @@
                         </a:rPr>
                         <a:t>Performance</a:t>
                       </a:r>
-                      <a:endParaRPr sz="1100">
+                      <a:endParaRPr sz="1100" dirty="0">
                         <a:latin typeface="Calibri"/>
                         <a:ea typeface="Calibri"/>
                         <a:cs typeface="Calibri"/>
@@ -19723,10 +19729,10 @@
                         <a:buNone/>
                       </a:pPr>
                       <a:r>
-                        <a:rPr lang="en" sz="2400" b="1"/>
-                        <a:t>🠕</a:t>
+                        <a:rPr lang="en" sz="2400" b="1" dirty="0"/>
+                        <a:t>↑</a:t>
                       </a:r>
-                      <a:endParaRPr sz="2400" b="1"/>
+                      <a:endParaRPr sz="2400" b="1" dirty="0"/>
                     </a:p>
                   </a:txBody>
                   <a:tcPr marL="28575" marR="28575" marT="19050" marB="19050" anchor="b">
@@ -19786,7 +19792,7 @@
                         <a:buNone/>
                       </a:pPr>
                       <a:r>
-                        <a:rPr lang="en" sz="1800" b="1" i="1">
+                        <a:rPr lang="en" sz="1800" b="1" i="1" dirty="0">
                           <a:latin typeface="Calibri"/>
                           <a:ea typeface="Calibri"/>
                           <a:cs typeface="Calibri"/>
@@ -19794,7 +19800,7 @@
                         </a:rPr>
                         <a:t>/</a:t>
                       </a:r>
-                      <a:endParaRPr sz="1800" b="1" i="1">
+                      <a:endParaRPr sz="1800" b="1" i="1" dirty="0">
                         <a:latin typeface="Calibri"/>
                         <a:ea typeface="Calibri"/>
                         <a:cs typeface="Calibri"/>
@@ -19862,10 +19868,23 @@
                         <a:buNone/>
                       </a:pPr>
                       <a:r>
-                        <a:rPr lang="en" sz="2400" b="1"/>
-                        <a:t>🠕</a:t>
+                        <a:rPr kumimoji="0" lang="en" sz="2400" b="1" i="0" u="none" strike="noStrike" kern="0" cap="none" spc="0" normalizeH="0" baseline="0" noProof="0" dirty="0">
+                          <a:ln>
+                            <a:noFill/>
+                          </a:ln>
+                          <a:solidFill>
+                            <a:srgbClr val="000000"/>
+                          </a:solidFill>
+                          <a:effectLst/>
+                          <a:uLnTx/>
+                          <a:uFillTx/>
+                          <a:latin typeface="Arial"/>
+                          <a:cs typeface="Arial"/>
+                          <a:sym typeface="Arial"/>
+                        </a:rPr>
+                        <a:t>↑</a:t>
                       </a:r>
-                      <a:endParaRPr sz="2400" b="1"/>
+                      <a:endParaRPr sz="2400" b="1" dirty="0"/>
                     </a:p>
                   </a:txBody>
                   <a:tcPr marL="28575" marR="28575" marT="19050" marB="19050" anchor="b">
@@ -19925,10 +19944,23 @@
                         <a:buNone/>
                       </a:pPr>
                       <a:r>
-                        <a:rPr lang="en" sz="2400" b="1"/>
-                        <a:t>🠕</a:t>
+                        <a:rPr kumimoji="0" lang="en" sz="2400" b="1" i="0" u="none" strike="noStrike" kern="0" cap="none" spc="0" normalizeH="0" baseline="0" noProof="0">
+                          <a:ln>
+                            <a:noFill/>
+                          </a:ln>
+                          <a:solidFill>
+                            <a:srgbClr val="000000"/>
+                          </a:solidFill>
+                          <a:effectLst/>
+                          <a:uLnTx/>
+                          <a:uFillTx/>
+                          <a:latin typeface="Arial"/>
+                          <a:cs typeface="Arial"/>
+                          <a:sym typeface="Arial"/>
+                        </a:rPr>
+                        <a:t>↑</a:t>
                       </a:r>
-                      <a:endParaRPr sz="2400" b="1"/>
+                      <a:endParaRPr sz="2400" b="1" dirty="0"/>
                     </a:p>
                   </a:txBody>
                   <a:tcPr marL="28575" marR="28575" marT="19050" marB="19050" anchor="b">
@@ -19988,10 +20020,23 @@
                         <a:buNone/>
                       </a:pPr>
                       <a:r>
-                        <a:rPr lang="en" sz="2400" b="1"/>
-                        <a:t>🠕</a:t>
+                        <a:rPr kumimoji="0" lang="en" sz="2400" b="1" i="0" u="none" strike="noStrike" kern="0" cap="none" spc="0" normalizeH="0" baseline="0" noProof="0">
+                          <a:ln>
+                            <a:noFill/>
+                          </a:ln>
+                          <a:solidFill>
+                            <a:srgbClr val="000000"/>
+                          </a:solidFill>
+                          <a:effectLst/>
+                          <a:uLnTx/>
+                          <a:uFillTx/>
+                          <a:latin typeface="Arial"/>
+                          <a:cs typeface="Arial"/>
+                          <a:sym typeface="Arial"/>
+                        </a:rPr>
+                        <a:t>↑</a:t>
                       </a:r>
-                      <a:endParaRPr sz="2400" b="1"/>
+                      <a:endParaRPr sz="2400" b="1" dirty="0"/>
                     </a:p>
                   </a:txBody>
                   <a:tcPr marL="28575" marR="28575" marT="19050" marB="19050" anchor="b">
@@ -20051,10 +20096,23 @@
                         <a:buNone/>
                       </a:pPr>
                       <a:r>
-                        <a:rPr lang="en" sz="2400" b="1"/>
-                        <a:t>🠕</a:t>
+                        <a:rPr kumimoji="0" lang="en" sz="2400" b="1" i="0" u="none" strike="noStrike" kern="0" cap="none" spc="0" normalizeH="0" baseline="0" noProof="0">
+                          <a:ln>
+                            <a:noFill/>
+                          </a:ln>
+                          <a:solidFill>
+                            <a:srgbClr val="000000"/>
+                          </a:solidFill>
+                          <a:effectLst/>
+                          <a:uLnTx/>
+                          <a:uFillTx/>
+                          <a:latin typeface="Arial"/>
+                          <a:cs typeface="Arial"/>
+                          <a:sym typeface="Arial"/>
+                        </a:rPr>
+                        <a:t>↑</a:t>
                       </a:r>
-                      <a:endParaRPr sz="2400" b="1"/>
+                      <a:endParaRPr sz="2400" b="1" dirty="0"/>
                     </a:p>
                   </a:txBody>
                   <a:tcPr marL="28575" marR="28575" marT="19050" marB="19050" anchor="b">
@@ -20114,10 +20172,23 @@
                         <a:buNone/>
                       </a:pPr>
                       <a:r>
-                        <a:rPr lang="en" sz="2400" b="1"/>
-                        <a:t>🠕</a:t>
+                        <a:rPr kumimoji="0" lang="en" sz="2400" b="1" i="0" u="none" strike="noStrike" kern="0" cap="none" spc="0" normalizeH="0" baseline="0" noProof="0">
+                          <a:ln>
+                            <a:noFill/>
+                          </a:ln>
+                          <a:solidFill>
+                            <a:srgbClr val="000000"/>
+                          </a:solidFill>
+                          <a:effectLst/>
+                          <a:uLnTx/>
+                          <a:uFillTx/>
+                          <a:latin typeface="Arial"/>
+                          <a:cs typeface="Arial"/>
+                          <a:sym typeface="Arial"/>
+                        </a:rPr>
+                        <a:t>↑</a:t>
                       </a:r>
-                      <a:endParaRPr sz="2400" b="1"/>
+                      <a:endParaRPr sz="2400" b="1" dirty="0"/>
                     </a:p>
                   </a:txBody>
                   <a:tcPr marL="28575" marR="28575" marT="19050" marB="19050" anchor="b">
@@ -20177,10 +20248,23 @@
                         <a:buNone/>
                       </a:pPr>
                       <a:r>
-                        <a:rPr lang="en" sz="2400" b="1"/>
-                        <a:t>🠕</a:t>
+                        <a:rPr kumimoji="0" lang="en" sz="2400" b="1" i="0" u="none" strike="noStrike" kern="0" cap="none" spc="0" normalizeH="0" baseline="0" noProof="0" dirty="0">
+                          <a:ln>
+                            <a:noFill/>
+                          </a:ln>
+                          <a:solidFill>
+                            <a:srgbClr val="000000"/>
+                          </a:solidFill>
+                          <a:effectLst/>
+                          <a:uLnTx/>
+                          <a:uFillTx/>
+                          <a:latin typeface="Arial"/>
+                          <a:cs typeface="Arial"/>
+                          <a:sym typeface="Arial"/>
+                        </a:rPr>
+                        <a:t>↑</a:t>
                       </a:r>
-                      <a:endParaRPr sz="2400" b="1"/>
+                      <a:endParaRPr sz="2400" b="1" dirty="0"/>
                     </a:p>
                   </a:txBody>
                   <a:tcPr marL="28575" marR="28575" marT="19050" marB="19050" anchor="b">
@@ -20323,10 +20407,10 @@
                         <a:buNone/>
                       </a:pPr>
                       <a:r>
-                        <a:rPr lang="en" sz="2400" b="1"/>
-                        <a:t>🠕</a:t>
+                        <a:rPr lang="en" sz="2400" b="1" dirty="0"/>
+                        <a:t>↑</a:t>
                       </a:r>
-                      <a:endParaRPr sz="2400" b="1"/>
+                      <a:endParaRPr sz="2400" b="1" dirty="0"/>
                     </a:p>
                   </a:txBody>
                   <a:tcPr marL="28575" marR="28575" marT="19050" marB="19050" anchor="b">
@@ -20386,10 +20470,10 @@
                         <a:buNone/>
                       </a:pPr>
                       <a:r>
-                        <a:rPr lang="en" sz="2400" b="1"/>
-                        <a:t>🠔</a:t>
+                        <a:rPr lang="en" sz="2400" b="1" dirty="0"/>
+                        <a:t>←</a:t>
                       </a:r>
-                      <a:endParaRPr sz="2400" b="1"/>
+                      <a:endParaRPr sz="2400" b="1" dirty="0"/>
                     </a:p>
                   </a:txBody>
                   <a:tcPr marL="28575" marR="28575" marT="19050" marB="19050" anchor="b">
@@ -20449,7 +20533,7 @@
                         <a:buNone/>
                       </a:pPr>
                       <a:r>
-                        <a:rPr lang="en" sz="1800" b="1" i="1">
+                        <a:rPr lang="en" sz="1800" b="1" i="1" dirty="0">
                           <a:latin typeface="Calibri"/>
                           <a:ea typeface="Calibri"/>
                           <a:cs typeface="Calibri"/>
@@ -20457,7 +20541,7 @@
                         </a:rPr>
                         <a:t>/</a:t>
                       </a:r>
-                      <a:endParaRPr sz="1800" b="1" i="1">
+                      <a:endParaRPr sz="1800" b="1" i="1" dirty="0">
                         <a:latin typeface="Calibri"/>
                         <a:ea typeface="Calibri"/>
                         <a:cs typeface="Calibri"/>
@@ -20526,9 +20610,9 @@
                       </a:pPr>
                       <a:r>
                         <a:rPr lang="en" sz="2400" b="1"/>
-                        <a:t>🠕</a:t>
+                        <a:t>↑</a:t>
                       </a:r>
-                      <a:endParaRPr sz="2400" b="1"/>
+                      <a:endParaRPr sz="2400" b="1" dirty="0"/>
                     </a:p>
                   </a:txBody>
                   <a:tcPr marL="28575" marR="28575" marT="19050" marB="19050" anchor="b">
@@ -20588,10 +20672,23 @@
                         <a:buNone/>
                       </a:pPr>
                       <a:r>
-                        <a:rPr lang="en" sz="2400" b="1"/>
-                        <a:t>🠔</a:t>
+                        <a:rPr kumimoji="0" lang="en" sz="2400" b="1" i="0" u="none" strike="noStrike" kern="0" cap="none" spc="0" normalizeH="0" baseline="0" noProof="0">
+                          <a:ln>
+                            <a:noFill/>
+                          </a:ln>
+                          <a:solidFill>
+                            <a:srgbClr val="000000"/>
+                          </a:solidFill>
+                          <a:effectLst/>
+                          <a:uLnTx/>
+                          <a:uFillTx/>
+                          <a:latin typeface="Arial"/>
+                          <a:cs typeface="Arial"/>
+                          <a:sym typeface="Arial"/>
+                        </a:rPr>
+                        <a:t>←</a:t>
                       </a:r>
-                      <a:endParaRPr sz="2400" b="1"/>
+                      <a:endParaRPr sz="2400" b="1" dirty="0"/>
                     </a:p>
                   </a:txBody>
                   <a:tcPr marL="28575" marR="28575" marT="19050" marB="19050" anchor="b">
@@ -20651,10 +20748,23 @@
                         <a:buNone/>
                       </a:pPr>
                       <a:r>
-                        <a:rPr lang="en" sz="2400" b="1"/>
-                        <a:t>🠔</a:t>
+                        <a:rPr kumimoji="0" lang="en" sz="2400" b="1" i="0" u="none" strike="noStrike" kern="0" cap="none" spc="0" normalizeH="0" baseline="0" noProof="0">
+                          <a:ln>
+                            <a:noFill/>
+                          </a:ln>
+                          <a:solidFill>
+                            <a:srgbClr val="000000"/>
+                          </a:solidFill>
+                          <a:effectLst/>
+                          <a:uLnTx/>
+                          <a:uFillTx/>
+                          <a:latin typeface="Arial"/>
+                          <a:cs typeface="Arial"/>
+                          <a:sym typeface="Arial"/>
+                        </a:rPr>
+                        <a:t>←</a:t>
                       </a:r>
-                      <a:endParaRPr sz="2400" b="1"/>
+                      <a:endParaRPr sz="2400" b="1" dirty="0"/>
                     </a:p>
                   </a:txBody>
                   <a:tcPr marL="28575" marR="28575" marT="19050" marB="19050" anchor="b">
@@ -20714,10 +20824,23 @@
                         <a:buNone/>
                       </a:pPr>
                       <a:r>
-                        <a:rPr lang="en" sz="2400" b="1"/>
-                        <a:t>🠔</a:t>
+                        <a:rPr kumimoji="0" lang="en" sz="2400" b="1" i="0" u="none" strike="noStrike" kern="0" cap="none" spc="0" normalizeH="0" baseline="0" noProof="0" dirty="0">
+                          <a:ln>
+                            <a:noFill/>
+                          </a:ln>
+                          <a:solidFill>
+                            <a:srgbClr val="000000"/>
+                          </a:solidFill>
+                          <a:effectLst/>
+                          <a:uLnTx/>
+                          <a:uFillTx/>
+                          <a:latin typeface="Arial"/>
+                          <a:cs typeface="Arial"/>
+                          <a:sym typeface="Arial"/>
+                        </a:rPr>
+                        <a:t>←</a:t>
                       </a:r>
-                      <a:endParaRPr sz="2400" b="1"/>
+                      <a:endParaRPr sz="2400" b="1" dirty="0"/>
                     </a:p>
                   </a:txBody>
                   <a:tcPr marL="28575" marR="28575" marT="19050" marB="19050" anchor="b">
@@ -20777,10 +20900,10 @@
                         <a:buNone/>
                       </a:pPr>
                       <a:r>
-                        <a:rPr lang="en" sz="2400" b="1"/>
-                        <a:t>🠕</a:t>
+                        <a:rPr lang="en" sz="2400" b="1" dirty="0"/>
+                        <a:t>↑</a:t>
                       </a:r>
-                      <a:endParaRPr sz="2400" b="1"/>
+                      <a:endParaRPr sz="2400" b="1" dirty="0"/>
                     </a:p>
                   </a:txBody>
                   <a:tcPr marL="28575" marR="28575" marT="19050" marB="19050" anchor="b">
@@ -20923,10 +21046,10 @@
                         <a:buNone/>
                       </a:pPr>
                       <a:r>
-                        <a:rPr lang="en" sz="2400" b="1"/>
-                        <a:t>🠕</a:t>
+                        <a:rPr lang="en" sz="2400" b="1" dirty="0"/>
+                        <a:t>↑</a:t>
                       </a:r>
-                      <a:endParaRPr sz="2400" b="1"/>
+                      <a:endParaRPr sz="2400" b="1" dirty="0"/>
                     </a:p>
                   </a:txBody>
                   <a:tcPr marL="28575" marR="28575" marT="19050" marB="19050" anchor="b">
@@ -20986,10 +21109,23 @@
                         <a:buNone/>
                       </a:pPr>
                       <a:r>
-                        <a:rPr lang="en" sz="2400" b="1"/>
-                        <a:t>🠔</a:t>
+                        <a:rPr kumimoji="0" lang="en" sz="2400" b="1" i="0" u="none" strike="noStrike" kern="0" cap="none" spc="0" normalizeH="0" baseline="0" noProof="0" dirty="0">
+                          <a:ln>
+                            <a:noFill/>
+                          </a:ln>
+                          <a:solidFill>
+                            <a:srgbClr val="000000"/>
+                          </a:solidFill>
+                          <a:effectLst/>
+                          <a:uLnTx/>
+                          <a:uFillTx/>
+                          <a:latin typeface="Arial"/>
+                          <a:cs typeface="Arial"/>
+                          <a:sym typeface="Arial"/>
+                        </a:rPr>
+                        <a:t>←</a:t>
                       </a:r>
-                      <a:endParaRPr sz="2400" b="1"/>
+                      <a:endParaRPr sz="2400" b="1" dirty="0"/>
                     </a:p>
                   </a:txBody>
                   <a:tcPr marL="28575" marR="28575" marT="19050" marB="19050" anchor="b">
@@ -21049,10 +21185,23 @@
                         <a:buNone/>
                       </a:pPr>
                       <a:r>
-                        <a:rPr lang="en" sz="2400" b="1"/>
-                        <a:t>🠔</a:t>
+                        <a:rPr kumimoji="0" lang="en" sz="2400" b="1" i="0" u="none" strike="noStrike" kern="0" cap="none" spc="0" normalizeH="0" baseline="0" noProof="0" dirty="0">
+                          <a:ln>
+                            <a:noFill/>
+                          </a:ln>
+                          <a:solidFill>
+                            <a:srgbClr val="000000"/>
+                          </a:solidFill>
+                          <a:effectLst/>
+                          <a:uLnTx/>
+                          <a:uFillTx/>
+                          <a:latin typeface="Arial"/>
+                          <a:cs typeface="Arial"/>
+                          <a:sym typeface="Arial"/>
+                        </a:rPr>
+                        <a:t>←</a:t>
                       </a:r>
-                      <a:endParaRPr sz="2400" b="1"/>
+                      <a:endParaRPr sz="2400" b="1" dirty="0"/>
                     </a:p>
                   </a:txBody>
                   <a:tcPr marL="28575" marR="28575" marT="19050" marB="19050" anchor="b">
@@ -21112,7 +21261,7 @@
                         <a:buNone/>
                       </a:pPr>
                       <a:r>
-                        <a:rPr lang="en" sz="1800" b="1" i="1">
+                        <a:rPr lang="en" sz="1800" b="1" i="1" dirty="0">
                           <a:latin typeface="Calibri"/>
                           <a:ea typeface="Calibri"/>
                           <a:cs typeface="Calibri"/>
@@ -21120,7 +21269,7 @@
                         </a:rPr>
                         <a:t>/</a:t>
                       </a:r>
-                      <a:endParaRPr sz="1800" b="1" i="1">
+                      <a:endParaRPr sz="1800" b="1" i="1" dirty="0">
                         <a:latin typeface="Calibri"/>
                         <a:ea typeface="Calibri"/>
                         <a:cs typeface="Calibri"/>
@@ -21188,10 +21337,23 @@
                         <a:buNone/>
                       </a:pPr>
                       <a:r>
-                        <a:rPr lang="en" sz="2400" b="1"/>
-                        <a:t>🠔</a:t>
+                        <a:rPr kumimoji="0" lang="en" sz="2400" b="1" i="0" u="none" strike="noStrike" kern="0" cap="none" spc="0" normalizeH="0" baseline="0" noProof="0">
+                          <a:ln>
+                            <a:noFill/>
+                          </a:ln>
+                          <a:solidFill>
+                            <a:srgbClr val="000000"/>
+                          </a:solidFill>
+                          <a:effectLst/>
+                          <a:uLnTx/>
+                          <a:uFillTx/>
+                          <a:latin typeface="Arial"/>
+                          <a:cs typeface="Arial"/>
+                          <a:sym typeface="Arial"/>
+                        </a:rPr>
+                        <a:t>←</a:t>
                       </a:r>
-                      <a:endParaRPr sz="2400" b="1"/>
+                      <a:endParaRPr sz="2400" b="1" dirty="0"/>
                     </a:p>
                   </a:txBody>
                   <a:tcPr marL="28575" marR="28575" marT="19050" marB="19050" anchor="b">
@@ -21251,10 +21413,23 @@
                         <a:buNone/>
                       </a:pPr>
                       <a:r>
-                        <a:rPr lang="en" sz="2400" b="1"/>
-                        <a:t>🠔</a:t>
+                        <a:rPr kumimoji="0" lang="en" sz="2400" b="1" i="0" u="none" strike="noStrike" kern="0" cap="none" spc="0" normalizeH="0" baseline="0" noProof="0">
+                          <a:ln>
+                            <a:noFill/>
+                          </a:ln>
+                          <a:solidFill>
+                            <a:srgbClr val="000000"/>
+                          </a:solidFill>
+                          <a:effectLst/>
+                          <a:uLnTx/>
+                          <a:uFillTx/>
+                          <a:latin typeface="Arial"/>
+                          <a:cs typeface="Arial"/>
+                          <a:sym typeface="Arial"/>
+                        </a:rPr>
+                        <a:t>←</a:t>
                       </a:r>
-                      <a:endParaRPr sz="2400" b="1"/>
+                      <a:endParaRPr sz="2400" b="1" dirty="0"/>
                     </a:p>
                   </a:txBody>
                   <a:tcPr marL="28575" marR="28575" marT="19050" marB="19050" anchor="b">
@@ -21314,10 +21489,23 @@
                         <a:buNone/>
                       </a:pPr>
                       <a:r>
-                        <a:rPr lang="en" sz="2400" b="1"/>
-                        <a:t>🠔</a:t>
+                        <a:rPr kumimoji="0" lang="en" sz="2400" b="1" i="0" u="none" strike="noStrike" kern="0" cap="none" spc="0" normalizeH="0" baseline="0" noProof="0" dirty="0">
+                          <a:ln>
+                            <a:noFill/>
+                          </a:ln>
+                          <a:solidFill>
+                            <a:srgbClr val="000000"/>
+                          </a:solidFill>
+                          <a:effectLst/>
+                          <a:uLnTx/>
+                          <a:uFillTx/>
+                          <a:latin typeface="Arial"/>
+                          <a:cs typeface="Arial"/>
+                          <a:sym typeface="Arial"/>
+                        </a:rPr>
+                        <a:t>←</a:t>
                       </a:r>
-                      <a:endParaRPr sz="2400" b="1"/>
+                      <a:endParaRPr sz="2400" b="1" dirty="0"/>
                     </a:p>
                   </a:txBody>
                   <a:tcPr marL="28575" marR="28575" marT="19050" marB="19050" anchor="b">
@@ -21377,10 +21565,10 @@
                         <a:buNone/>
                       </a:pPr>
                       <a:r>
-                        <a:rPr lang="en" sz="2400" b="1"/>
-                        <a:t>🠕</a:t>
+                        <a:rPr lang="en" sz="2400" b="1" dirty="0"/>
+                        <a:t>↑</a:t>
                       </a:r>
-                      <a:endParaRPr sz="2400" b="1"/>
+                      <a:endParaRPr sz="2400" b="1" dirty="0"/>
                     </a:p>
                   </a:txBody>
                   <a:tcPr marL="28575" marR="28575" marT="19050" marB="19050" anchor="b">
@@ -21447,7 +21635,7 @@
                         <a:buNone/>
                       </a:pPr>
                       <a:r>
-                        <a:rPr lang="en" sz="1100">
+                        <a:rPr lang="en" sz="1100" dirty="0">
                           <a:latin typeface="Calibri"/>
                           <a:ea typeface="Calibri"/>
                           <a:cs typeface="Calibri"/>
@@ -21455,7 +21643,7 @@
                         </a:rPr>
                         <a:t>Reliability</a:t>
                       </a:r>
-                      <a:endParaRPr sz="1100">
+                      <a:endParaRPr sz="1100" dirty="0">
                         <a:latin typeface="Calibri"/>
                         <a:ea typeface="Calibri"/>
                         <a:cs typeface="Calibri"/>
@@ -21523,10 +21711,10 @@
                         <a:buNone/>
                       </a:pPr>
                       <a:r>
-                        <a:rPr lang="en" sz="2400" b="1"/>
-                        <a:t>🠕</a:t>
+                        <a:rPr lang="en" sz="2400" b="1" dirty="0"/>
+                        <a:t>↑</a:t>
                       </a:r>
-                      <a:endParaRPr sz="2400" b="1"/>
+                      <a:endParaRPr sz="2400" b="1" dirty="0"/>
                     </a:p>
                   </a:txBody>
                   <a:tcPr marL="28575" marR="28575" marT="19050" marB="19050" anchor="b">
@@ -21586,10 +21774,10 @@
                         <a:buNone/>
                       </a:pPr>
                       <a:r>
-                        <a:rPr lang="en" sz="2400" b="1"/>
-                        <a:t>🠔</a:t>
+                        <a:rPr lang="en" sz="2400" b="1" dirty="0"/>
+                        <a:t>←</a:t>
                       </a:r>
-                      <a:endParaRPr sz="2400" b="1"/>
+                      <a:endParaRPr sz="2400" b="1" dirty="0"/>
                     </a:p>
                   </a:txBody>
                   <a:tcPr marL="28575" marR="28575" marT="19050" marB="19050" anchor="b">
@@ -21649,10 +21837,23 @@
                         <a:buNone/>
                       </a:pPr>
                       <a:r>
-                        <a:rPr lang="en" sz="2400" b="1"/>
-                        <a:t>🠕</a:t>
+                        <a:rPr kumimoji="0" lang="en" sz="2400" b="1" i="0" u="none" strike="noStrike" kern="0" cap="none" spc="0" normalizeH="0" baseline="0" noProof="0" dirty="0">
+                          <a:ln>
+                            <a:noFill/>
+                          </a:ln>
+                          <a:solidFill>
+                            <a:srgbClr val="000000"/>
+                          </a:solidFill>
+                          <a:effectLst/>
+                          <a:uLnTx/>
+                          <a:uFillTx/>
+                          <a:latin typeface="Arial"/>
+                          <a:cs typeface="Arial"/>
+                          <a:sym typeface="Arial"/>
+                        </a:rPr>
+                        <a:t>↑</a:t>
                       </a:r>
-                      <a:endParaRPr sz="2400" b="1"/>
+                      <a:endParaRPr sz="2400" b="1" dirty="0"/>
                     </a:p>
                   </a:txBody>
                   <a:tcPr marL="28575" marR="28575" marT="19050" marB="19050" anchor="b">
@@ -21712,10 +21913,23 @@
                         <a:buNone/>
                       </a:pPr>
                       <a:r>
-                        <a:rPr lang="en" sz="2400" b="1"/>
-                        <a:t>🠕</a:t>
+                        <a:rPr kumimoji="0" lang="en" sz="2400" b="1" i="0" u="none" strike="noStrike" kern="0" cap="none" spc="0" normalizeH="0" baseline="0" noProof="0" dirty="0">
+                          <a:ln>
+                            <a:noFill/>
+                          </a:ln>
+                          <a:solidFill>
+                            <a:srgbClr val="000000"/>
+                          </a:solidFill>
+                          <a:effectLst/>
+                          <a:uLnTx/>
+                          <a:uFillTx/>
+                          <a:latin typeface="Arial"/>
+                          <a:cs typeface="Arial"/>
+                          <a:sym typeface="Arial"/>
+                        </a:rPr>
+                        <a:t>↑</a:t>
                       </a:r>
-                      <a:endParaRPr sz="2400" b="1"/>
+                      <a:endParaRPr sz="2400" b="1" dirty="0"/>
                     </a:p>
                   </a:txBody>
                   <a:tcPr marL="28575" marR="28575" marT="19050" marB="19050" anchor="b">
@@ -21775,7 +21989,7 @@
                         <a:buNone/>
                       </a:pPr>
                       <a:r>
-                        <a:rPr lang="en" sz="1800" b="1" i="1">
+                        <a:rPr lang="en" sz="1800" b="1" i="1" dirty="0">
                           <a:latin typeface="Calibri"/>
                           <a:ea typeface="Calibri"/>
                           <a:cs typeface="Calibri"/>
@@ -21783,7 +21997,7 @@
                         </a:rPr>
                         <a:t>/</a:t>
                       </a:r>
-                      <a:endParaRPr sz="1800" b="1" i="1">
+                      <a:endParaRPr sz="1800" b="1" i="1" dirty="0">
                         <a:latin typeface="Calibri"/>
                         <a:ea typeface="Calibri"/>
                         <a:cs typeface="Calibri"/>
@@ -21851,10 +22065,23 @@
                         <a:buNone/>
                       </a:pPr>
                       <a:r>
-                        <a:rPr lang="en" sz="2400" b="1"/>
-                        <a:t>🠔</a:t>
+                        <a:rPr kumimoji="0" lang="en" sz="2400" b="1" i="0" u="none" strike="noStrike" kern="0" cap="none" spc="0" normalizeH="0" baseline="0" noProof="0">
+                          <a:ln>
+                            <a:noFill/>
+                          </a:ln>
+                          <a:solidFill>
+                            <a:srgbClr val="000000"/>
+                          </a:solidFill>
+                          <a:effectLst/>
+                          <a:uLnTx/>
+                          <a:uFillTx/>
+                          <a:latin typeface="Arial"/>
+                          <a:cs typeface="Arial"/>
+                          <a:sym typeface="Arial"/>
+                        </a:rPr>
+                        <a:t>←</a:t>
                       </a:r>
-                      <a:endParaRPr sz="2400" b="1"/>
+                      <a:endParaRPr sz="2400" b="1" dirty="0"/>
                     </a:p>
                   </a:txBody>
                   <a:tcPr marL="28575" marR="28575" marT="19050" marB="19050" anchor="b">
@@ -21914,10 +22141,23 @@
                         <a:buNone/>
                       </a:pPr>
                       <a:r>
-                        <a:rPr lang="en" sz="2400" b="1"/>
-                        <a:t>🠔</a:t>
+                        <a:rPr kumimoji="0" lang="en" sz="2400" b="1" i="0" u="none" strike="noStrike" kern="0" cap="none" spc="0" normalizeH="0" baseline="0" noProof="0" dirty="0">
+                          <a:ln>
+                            <a:noFill/>
+                          </a:ln>
+                          <a:solidFill>
+                            <a:srgbClr val="000000"/>
+                          </a:solidFill>
+                          <a:effectLst/>
+                          <a:uLnTx/>
+                          <a:uFillTx/>
+                          <a:latin typeface="Arial"/>
+                          <a:cs typeface="Arial"/>
+                          <a:sym typeface="Arial"/>
+                        </a:rPr>
+                        <a:t>←</a:t>
                       </a:r>
-                      <a:endParaRPr sz="2400" b="1"/>
+                      <a:endParaRPr sz="2400" b="1" dirty="0"/>
                     </a:p>
                   </a:txBody>
                   <a:tcPr marL="28575" marR="28575" marT="19050" marB="19050" anchor="b">
@@ -21977,10 +22217,23 @@
                         <a:buNone/>
                       </a:pPr>
                       <a:r>
-                        <a:rPr lang="en" sz="2400" b="1"/>
-                        <a:t>🠕</a:t>
+                        <a:rPr kumimoji="0" lang="en" sz="2400" b="1" i="0" u="none" strike="noStrike" kern="0" cap="none" spc="0" normalizeH="0" baseline="0" noProof="0">
+                          <a:ln>
+                            <a:noFill/>
+                          </a:ln>
+                          <a:solidFill>
+                            <a:srgbClr val="000000"/>
+                          </a:solidFill>
+                          <a:effectLst/>
+                          <a:uLnTx/>
+                          <a:uFillTx/>
+                          <a:latin typeface="Arial"/>
+                          <a:cs typeface="Arial"/>
+                          <a:sym typeface="Arial"/>
+                        </a:rPr>
+                        <a:t>↑</a:t>
                       </a:r>
-                      <a:endParaRPr sz="2400" b="1"/>
+                      <a:endParaRPr sz="2400" b="1" dirty="0"/>
                     </a:p>
                   </a:txBody>
                   <a:tcPr marL="28575" marR="28575" marT="19050" marB="19050" anchor="b">
@@ -22123,10 +22376,10 @@
                         <a:buNone/>
                       </a:pPr>
                       <a:r>
-                        <a:rPr lang="en" sz="2400" b="1"/>
-                        <a:t>🠕</a:t>
+                        <a:rPr lang="en" sz="2400" b="1" dirty="0"/>
+                        <a:t>↑</a:t>
                       </a:r>
-                      <a:endParaRPr sz="2400" b="1"/>
+                      <a:endParaRPr sz="2400" b="1" dirty="0"/>
                     </a:p>
                   </a:txBody>
                   <a:tcPr marL="28575" marR="28575" marT="19050" marB="19050" anchor="b">
@@ -22186,10 +22439,10 @@
                         <a:buNone/>
                       </a:pPr>
                       <a:r>
-                        <a:rPr lang="en" sz="2400" b="1"/>
-                        <a:t>🠔</a:t>
+                        <a:rPr lang="en" sz="2400" b="1" dirty="0"/>
+                        <a:t>←</a:t>
                       </a:r>
-                      <a:endParaRPr sz="2400" b="1"/>
+                      <a:endParaRPr sz="2400" b="1" dirty="0"/>
                     </a:p>
                   </a:txBody>
                   <a:tcPr marL="28575" marR="28575" marT="19050" marB="19050" anchor="b">
@@ -22249,10 +22502,23 @@
                         <a:buNone/>
                       </a:pPr>
                       <a:r>
-                        <a:rPr lang="en" sz="2400" b="1"/>
-                        <a:t>🠕</a:t>
+                        <a:rPr kumimoji="0" lang="en" sz="2400" b="1" i="0" u="none" strike="noStrike" kern="0" cap="none" spc="0" normalizeH="0" baseline="0" noProof="0">
+                          <a:ln>
+                            <a:noFill/>
+                          </a:ln>
+                          <a:solidFill>
+                            <a:srgbClr val="000000"/>
+                          </a:solidFill>
+                          <a:effectLst/>
+                          <a:uLnTx/>
+                          <a:uFillTx/>
+                          <a:latin typeface="Arial"/>
+                          <a:cs typeface="Arial"/>
+                          <a:sym typeface="Arial"/>
+                        </a:rPr>
+                        <a:t>↑</a:t>
                       </a:r>
-                      <a:endParaRPr sz="2400" b="1"/>
+                      <a:endParaRPr sz="2400" b="1" dirty="0"/>
                     </a:p>
                   </a:txBody>
                   <a:tcPr marL="28575" marR="28575" marT="19050" marB="19050" anchor="b">
@@ -22312,10 +22578,23 @@
                         <a:buNone/>
                       </a:pPr>
                       <a:r>
-                        <a:rPr lang="en" sz="2400" b="1"/>
-                        <a:t>🠕</a:t>
+                        <a:rPr kumimoji="0" lang="en" sz="2400" b="1" i="0" u="none" strike="noStrike" kern="0" cap="none" spc="0" normalizeH="0" baseline="0" noProof="0">
+                          <a:ln>
+                            <a:noFill/>
+                          </a:ln>
+                          <a:solidFill>
+                            <a:srgbClr val="000000"/>
+                          </a:solidFill>
+                          <a:effectLst/>
+                          <a:uLnTx/>
+                          <a:uFillTx/>
+                          <a:latin typeface="Arial"/>
+                          <a:cs typeface="Arial"/>
+                          <a:sym typeface="Arial"/>
+                        </a:rPr>
+                        <a:t>↑</a:t>
                       </a:r>
-                      <a:endParaRPr sz="2400" b="1"/>
+                      <a:endParaRPr sz="2400" b="1" dirty="0"/>
                     </a:p>
                   </a:txBody>
                   <a:tcPr marL="28575" marR="28575" marT="19050" marB="19050" anchor="b">
@@ -22375,10 +22654,23 @@
                         <a:buNone/>
                       </a:pPr>
                       <a:r>
-                        <a:rPr lang="en" sz="2400" b="1"/>
-                        <a:t>🠕</a:t>
+                        <a:rPr kumimoji="0" lang="en" sz="2400" b="1" i="0" u="none" strike="noStrike" kern="0" cap="none" spc="0" normalizeH="0" baseline="0" noProof="0" dirty="0">
+                          <a:ln>
+                            <a:noFill/>
+                          </a:ln>
+                          <a:solidFill>
+                            <a:srgbClr val="000000"/>
+                          </a:solidFill>
+                          <a:effectLst/>
+                          <a:uLnTx/>
+                          <a:uFillTx/>
+                          <a:latin typeface="Arial"/>
+                          <a:cs typeface="Arial"/>
+                          <a:sym typeface="Arial"/>
+                        </a:rPr>
+                        <a:t>↑</a:t>
                       </a:r>
-                      <a:endParaRPr sz="2400" b="1"/>
+                      <a:endParaRPr sz="2400" b="1" dirty="0"/>
                     </a:p>
                   </a:txBody>
                   <a:tcPr marL="28575" marR="28575" marT="19050" marB="19050" anchor="b">
@@ -22438,7 +22730,7 @@
                         <a:buNone/>
                       </a:pPr>
                       <a:r>
-                        <a:rPr lang="en" sz="1800" b="1" i="1">
+                        <a:rPr lang="en" sz="1800" b="1" i="1" dirty="0">
                           <a:latin typeface="Calibri"/>
                           <a:ea typeface="Calibri"/>
                           <a:cs typeface="Calibri"/>
@@ -22446,7 +22738,7 @@
                         </a:rPr>
                         <a:t>/</a:t>
                       </a:r>
-                      <a:endParaRPr sz="1800" b="1" i="1">
+                      <a:endParaRPr sz="1800" b="1" i="1" dirty="0">
                         <a:latin typeface="Calibri"/>
                         <a:ea typeface="Calibri"/>
                         <a:cs typeface="Calibri"/>
@@ -22514,10 +22806,10 @@
                         <a:buNone/>
                       </a:pPr>
                       <a:r>
-                        <a:rPr lang="en" sz="2400" b="1"/>
-                        <a:t>🠔</a:t>
+                        <a:rPr lang="en" sz="2400" b="1" dirty="0"/>
+                        <a:t>←</a:t>
                       </a:r>
-                      <a:endParaRPr sz="2400" b="1"/>
+                      <a:endParaRPr sz="2400" b="1" dirty="0"/>
                     </a:p>
                   </a:txBody>
                   <a:tcPr marL="28575" marR="28575" marT="19050" marB="19050" anchor="b">
@@ -22577,10 +22869,23 @@
                         <a:buNone/>
                       </a:pPr>
                       <a:r>
-                        <a:rPr lang="en" sz="2400" b="1"/>
-                        <a:t>🠕</a:t>
+                        <a:rPr kumimoji="0" lang="en" sz="2400" b="1" i="0" u="none" strike="noStrike" kern="0" cap="none" spc="0" normalizeH="0" baseline="0" noProof="0">
+                          <a:ln>
+                            <a:noFill/>
+                          </a:ln>
+                          <a:solidFill>
+                            <a:srgbClr val="000000"/>
+                          </a:solidFill>
+                          <a:effectLst/>
+                          <a:uLnTx/>
+                          <a:uFillTx/>
+                          <a:latin typeface="Arial"/>
+                          <a:cs typeface="Arial"/>
+                          <a:sym typeface="Arial"/>
+                        </a:rPr>
+                        <a:t>↑</a:t>
                       </a:r>
-                      <a:endParaRPr sz="2400" b="1"/>
+                      <a:endParaRPr sz="2400" b="1" dirty="0"/>
                     </a:p>
                   </a:txBody>
                   <a:tcPr marL="28575" marR="28575" marT="19050" marB="19050" anchor="b">
@@ -22723,10 +23028,10 @@
                         <a:buNone/>
                       </a:pPr>
                       <a:r>
-                        <a:rPr lang="en" sz="2400" b="1"/>
-                        <a:t>🠕</a:t>
+                        <a:rPr lang="en" sz="2400" b="1" dirty="0"/>
+                        <a:t>↑</a:t>
                       </a:r>
-                      <a:endParaRPr sz="2400" b="1"/>
+                      <a:endParaRPr sz="2400" b="1" dirty="0"/>
                     </a:p>
                   </a:txBody>
                   <a:tcPr marL="28575" marR="28575" marT="19050" marB="19050" anchor="b">
@@ -22786,10 +23091,10 @@
                         <a:buNone/>
                       </a:pPr>
                       <a:r>
-                        <a:rPr lang="en" sz="2400" b="1"/>
-                        <a:t>🠔</a:t>
+                        <a:rPr lang="en" sz="2400" b="1" dirty="0"/>
+                        <a:t>←</a:t>
                       </a:r>
-                      <a:endParaRPr sz="2400" b="1"/>
+                      <a:endParaRPr sz="2400" b="1" dirty="0"/>
                     </a:p>
                   </a:txBody>
                   <a:tcPr marL="28575" marR="28575" marT="19050" marB="19050" anchor="b">
@@ -22849,10 +23154,23 @@
                         <a:buNone/>
                       </a:pPr>
                       <a:r>
-                        <a:rPr lang="en" sz="2400" b="1"/>
-                        <a:t>🠕</a:t>
+                        <a:rPr kumimoji="0" lang="en" sz="2400" b="1" i="0" u="none" strike="noStrike" kern="0" cap="none" spc="0" normalizeH="0" baseline="0" noProof="0" dirty="0">
+                          <a:ln>
+                            <a:noFill/>
+                          </a:ln>
+                          <a:solidFill>
+                            <a:srgbClr val="000000"/>
+                          </a:solidFill>
+                          <a:effectLst/>
+                          <a:uLnTx/>
+                          <a:uFillTx/>
+                          <a:latin typeface="Arial"/>
+                          <a:cs typeface="Arial"/>
+                          <a:sym typeface="Arial"/>
+                        </a:rPr>
+                        <a:t>↑</a:t>
                       </a:r>
-                      <a:endParaRPr sz="2400" b="1"/>
+                      <a:endParaRPr sz="2400" b="1" dirty="0"/>
                     </a:p>
                   </a:txBody>
                   <a:tcPr marL="28575" marR="28575" marT="19050" marB="19050" anchor="b">
@@ -22912,10 +23230,23 @@
                         <a:buNone/>
                       </a:pPr>
                       <a:r>
-                        <a:rPr lang="en" sz="2400" b="1"/>
-                        <a:t>🠕</a:t>
+                        <a:rPr kumimoji="0" lang="en" sz="2400" b="1" i="0" u="none" strike="noStrike" kern="0" cap="none" spc="0" normalizeH="0" baseline="0" noProof="0">
+                          <a:ln>
+                            <a:noFill/>
+                          </a:ln>
+                          <a:solidFill>
+                            <a:srgbClr val="000000"/>
+                          </a:solidFill>
+                          <a:effectLst/>
+                          <a:uLnTx/>
+                          <a:uFillTx/>
+                          <a:latin typeface="Arial"/>
+                          <a:cs typeface="Arial"/>
+                          <a:sym typeface="Arial"/>
+                        </a:rPr>
+                        <a:t>↑</a:t>
                       </a:r>
-                      <a:endParaRPr sz="2400" b="1"/>
+                      <a:endParaRPr sz="2400" b="1" dirty="0"/>
                     </a:p>
                   </a:txBody>
                   <a:tcPr marL="28575" marR="28575" marT="19050" marB="19050" anchor="b">
@@ -22975,10 +23306,23 @@
                         <a:buNone/>
                       </a:pPr>
                       <a:r>
-                        <a:rPr lang="en" sz="2400" b="1"/>
-                        <a:t>🠕</a:t>
+                        <a:rPr kumimoji="0" lang="en" sz="2400" b="1" i="0" u="none" strike="noStrike" kern="0" cap="none" spc="0" normalizeH="0" baseline="0" noProof="0">
+                          <a:ln>
+                            <a:noFill/>
+                          </a:ln>
+                          <a:solidFill>
+                            <a:srgbClr val="000000"/>
+                          </a:solidFill>
+                          <a:effectLst/>
+                          <a:uLnTx/>
+                          <a:uFillTx/>
+                          <a:latin typeface="Arial"/>
+                          <a:cs typeface="Arial"/>
+                          <a:sym typeface="Arial"/>
+                        </a:rPr>
+                        <a:t>↑</a:t>
                       </a:r>
-                      <a:endParaRPr sz="2400" b="1"/>
+                      <a:endParaRPr sz="2400" b="1" dirty="0"/>
                     </a:p>
                   </a:txBody>
                   <a:tcPr marL="28575" marR="28575" marT="19050" marB="19050" anchor="b">
@@ -23038,10 +23382,23 @@
                         <a:buNone/>
                       </a:pPr>
                       <a:r>
-                        <a:rPr lang="en" sz="2400" b="1"/>
-                        <a:t>🠕</a:t>
+                        <a:rPr kumimoji="0" lang="en" sz="2400" b="1" i="0" u="none" strike="noStrike" kern="0" cap="none" spc="0" normalizeH="0" baseline="0" noProof="0" dirty="0">
+                          <a:ln>
+                            <a:noFill/>
+                          </a:ln>
+                          <a:solidFill>
+                            <a:srgbClr val="000000"/>
+                          </a:solidFill>
+                          <a:effectLst/>
+                          <a:uLnTx/>
+                          <a:uFillTx/>
+                          <a:latin typeface="Arial"/>
+                          <a:cs typeface="Arial"/>
+                          <a:sym typeface="Arial"/>
+                        </a:rPr>
+                        <a:t>↑</a:t>
                       </a:r>
-                      <a:endParaRPr sz="2400" b="1"/>
+                      <a:endParaRPr sz="2400" b="1" dirty="0"/>
                     </a:p>
                   </a:txBody>
                   <a:tcPr marL="28575" marR="28575" marT="19050" marB="19050" anchor="b">
@@ -23101,7 +23458,7 @@
                         <a:buNone/>
                       </a:pPr>
                       <a:r>
-                        <a:rPr lang="en" sz="1800" b="1" i="1">
+                        <a:rPr lang="en" sz="1800" b="1" i="1" dirty="0">
                           <a:latin typeface="Calibri"/>
                           <a:ea typeface="Calibri"/>
                           <a:cs typeface="Calibri"/>
@@ -23109,7 +23466,7 @@
                         </a:rPr>
                         <a:t>/</a:t>
                       </a:r>
-                      <a:endParaRPr sz="1800" b="1" i="1">
+                      <a:endParaRPr sz="1800" b="1" i="1" dirty="0">
                         <a:latin typeface="Calibri"/>
                         <a:ea typeface="Calibri"/>
                         <a:cs typeface="Calibri"/>
@@ -23177,10 +23534,23 @@
                         <a:buNone/>
                       </a:pPr>
                       <a:r>
-                        <a:rPr lang="en" sz="2400" b="1"/>
-                        <a:t>🠕</a:t>
+                        <a:rPr kumimoji="0" lang="en" sz="2400" b="1" i="0" u="none" strike="noStrike" kern="0" cap="none" spc="0" normalizeH="0" baseline="0" noProof="0" dirty="0">
+                          <a:ln>
+                            <a:noFill/>
+                          </a:ln>
+                          <a:solidFill>
+                            <a:srgbClr val="000000"/>
+                          </a:solidFill>
+                          <a:effectLst/>
+                          <a:uLnTx/>
+                          <a:uFillTx/>
+                          <a:latin typeface="Arial"/>
+                          <a:cs typeface="Arial"/>
+                          <a:sym typeface="Arial"/>
+                        </a:rPr>
+                        <a:t>↑</a:t>
                       </a:r>
-                      <a:endParaRPr sz="2400" b="1"/>
+                      <a:endParaRPr sz="2400" b="1" dirty="0"/>
                     </a:p>
                   </a:txBody>
                   <a:tcPr marL="28575" marR="28575" marT="19050" marB="19050" anchor="b">
@@ -23323,10 +23693,23 @@
                         <a:buNone/>
                       </a:pPr>
                       <a:r>
-                        <a:rPr lang="en" sz="2400" b="1"/>
-                        <a:t>🠔</a:t>
+                        <a:rPr kumimoji="0" lang="en" sz="2400" b="1" i="0" u="none" strike="noStrike" kern="0" cap="none" spc="0" normalizeH="0" baseline="0" noProof="0">
+                          <a:ln>
+                            <a:noFill/>
+                          </a:ln>
+                          <a:solidFill>
+                            <a:srgbClr val="000000"/>
+                          </a:solidFill>
+                          <a:effectLst/>
+                          <a:uLnTx/>
+                          <a:uFillTx/>
+                          <a:latin typeface="Arial"/>
+                          <a:cs typeface="Arial"/>
+                          <a:sym typeface="Arial"/>
+                        </a:rPr>
+                        <a:t>←</a:t>
                       </a:r>
-                      <a:endParaRPr sz="2400" b="1"/>
+                      <a:endParaRPr sz="2400" b="1" dirty="0"/>
                     </a:p>
                   </a:txBody>
                   <a:tcPr marL="28575" marR="28575" marT="19050" marB="19050" anchor="b">
@@ -23386,10 +23769,23 @@
                         <a:buNone/>
                       </a:pPr>
                       <a:r>
-                        <a:rPr lang="en" sz="2400" b="1"/>
-                        <a:t>🠔</a:t>
+                        <a:rPr kumimoji="0" lang="en" sz="2400" b="1" i="0" u="none" strike="noStrike" kern="0" cap="none" spc="0" normalizeH="0" baseline="0" noProof="0">
+                          <a:ln>
+                            <a:noFill/>
+                          </a:ln>
+                          <a:solidFill>
+                            <a:srgbClr val="000000"/>
+                          </a:solidFill>
+                          <a:effectLst/>
+                          <a:uLnTx/>
+                          <a:uFillTx/>
+                          <a:latin typeface="Arial"/>
+                          <a:cs typeface="Arial"/>
+                          <a:sym typeface="Arial"/>
+                        </a:rPr>
+                        <a:t>←</a:t>
                       </a:r>
-                      <a:endParaRPr sz="2400" b="1"/>
+                      <a:endParaRPr sz="2400" b="1" dirty="0"/>
                     </a:p>
                   </a:txBody>
                   <a:tcPr marL="28575" marR="28575" marT="19050" marB="19050" anchor="b">
@@ -23449,10 +23845,23 @@
                         <a:buNone/>
                       </a:pPr>
                       <a:r>
-                        <a:rPr lang="en" sz="2400" b="1"/>
-                        <a:t>🠔</a:t>
+                        <a:rPr kumimoji="0" lang="en" sz="2400" b="1" i="0" u="none" strike="noStrike" kern="0" cap="none" spc="0" normalizeH="0" baseline="0" noProof="0">
+                          <a:ln>
+                            <a:noFill/>
+                          </a:ln>
+                          <a:solidFill>
+                            <a:srgbClr val="000000"/>
+                          </a:solidFill>
+                          <a:effectLst/>
+                          <a:uLnTx/>
+                          <a:uFillTx/>
+                          <a:latin typeface="Arial"/>
+                          <a:cs typeface="Arial"/>
+                          <a:sym typeface="Arial"/>
+                        </a:rPr>
+                        <a:t>←</a:t>
                       </a:r>
-                      <a:endParaRPr sz="2400" b="1"/>
+                      <a:endParaRPr sz="2400" b="1" dirty="0"/>
                     </a:p>
                   </a:txBody>
                   <a:tcPr marL="28575" marR="28575" marT="19050" marB="19050" anchor="b">
@@ -23512,10 +23921,23 @@
                         <a:buNone/>
                       </a:pPr>
                       <a:r>
-                        <a:rPr lang="en" sz="2400" b="1"/>
-                        <a:t>🠔</a:t>
+                        <a:rPr kumimoji="0" lang="en" sz="2400" b="1" i="0" u="none" strike="noStrike" kern="0" cap="none" spc="0" normalizeH="0" baseline="0" noProof="0">
+                          <a:ln>
+                            <a:noFill/>
+                          </a:ln>
+                          <a:solidFill>
+                            <a:srgbClr val="000000"/>
+                          </a:solidFill>
+                          <a:effectLst/>
+                          <a:uLnTx/>
+                          <a:uFillTx/>
+                          <a:latin typeface="Arial"/>
+                          <a:cs typeface="Arial"/>
+                          <a:sym typeface="Arial"/>
+                        </a:rPr>
+                        <a:t>←</a:t>
                       </a:r>
-                      <a:endParaRPr sz="2400" b="1"/>
+                      <a:endParaRPr sz="2400" b="1" dirty="0"/>
                     </a:p>
                   </a:txBody>
                   <a:tcPr marL="28575" marR="28575" marT="19050" marB="19050" anchor="b">
@@ -23575,10 +23997,23 @@
                         <a:buNone/>
                       </a:pPr>
                       <a:r>
-                        <a:rPr lang="en" sz="2400" b="1"/>
-                        <a:t>🠔</a:t>
+                        <a:rPr kumimoji="0" lang="en" sz="2400" b="1" i="0" u="none" strike="noStrike" kern="0" cap="none" spc="0" normalizeH="0" baseline="0" noProof="0">
+                          <a:ln>
+                            <a:noFill/>
+                          </a:ln>
+                          <a:solidFill>
+                            <a:srgbClr val="000000"/>
+                          </a:solidFill>
+                          <a:effectLst/>
+                          <a:uLnTx/>
+                          <a:uFillTx/>
+                          <a:latin typeface="Arial"/>
+                          <a:cs typeface="Arial"/>
+                          <a:sym typeface="Arial"/>
+                        </a:rPr>
+                        <a:t>←</a:t>
                       </a:r>
-                      <a:endParaRPr sz="2400" b="1"/>
+                      <a:endParaRPr sz="2400" b="1" dirty="0"/>
                     </a:p>
                   </a:txBody>
                   <a:tcPr marL="28575" marR="28575" marT="19050" marB="19050" anchor="b">
@@ -23638,10 +24073,23 @@
                         <a:buNone/>
                       </a:pPr>
                       <a:r>
-                        <a:rPr lang="en" sz="2400" b="1"/>
-                        <a:t>🠔</a:t>
+                        <a:rPr kumimoji="0" lang="en" sz="2400" b="1" i="0" u="none" strike="noStrike" kern="0" cap="none" spc="0" normalizeH="0" baseline="0" noProof="0" dirty="0">
+                          <a:ln>
+                            <a:noFill/>
+                          </a:ln>
+                          <a:solidFill>
+                            <a:srgbClr val="000000"/>
+                          </a:solidFill>
+                          <a:effectLst/>
+                          <a:uLnTx/>
+                          <a:uFillTx/>
+                          <a:latin typeface="Arial"/>
+                          <a:cs typeface="Arial"/>
+                          <a:sym typeface="Arial"/>
+                        </a:rPr>
+                        <a:t>←</a:t>
                       </a:r>
-                      <a:endParaRPr sz="2400" b="1"/>
+                      <a:endParaRPr sz="2400" b="1" dirty="0"/>
                     </a:p>
                   </a:txBody>
                   <a:tcPr marL="28575" marR="28575" marT="19050" marB="19050" anchor="b">
@@ -23701,10 +24149,23 @@
                         <a:buNone/>
                       </a:pPr>
                       <a:r>
-                        <a:rPr lang="en" sz="2400" b="1"/>
-                        <a:t>🠔</a:t>
+                        <a:rPr kumimoji="0" lang="en" sz="2400" b="1" i="0" u="none" strike="noStrike" kern="0" cap="none" spc="0" normalizeH="0" baseline="0" noProof="0" dirty="0">
+                          <a:ln>
+                            <a:noFill/>
+                          </a:ln>
+                          <a:solidFill>
+                            <a:srgbClr val="000000"/>
+                          </a:solidFill>
+                          <a:effectLst/>
+                          <a:uLnTx/>
+                          <a:uFillTx/>
+                          <a:latin typeface="Arial"/>
+                          <a:cs typeface="Arial"/>
+                          <a:sym typeface="Arial"/>
+                        </a:rPr>
+                        <a:t>←</a:t>
                       </a:r>
-                      <a:endParaRPr sz="2400" b="1"/>
+                      <a:endParaRPr sz="2400" b="1" dirty="0"/>
                     </a:p>
                   </a:txBody>
                   <a:tcPr marL="28575" marR="28575" marT="19050" marB="19050" anchor="b">
@@ -23764,7 +24225,7 @@
                         <a:buNone/>
                       </a:pPr>
                       <a:r>
-                        <a:rPr lang="en" sz="1800" b="1" i="1">
+                        <a:rPr lang="en" sz="1800" b="1" i="1" dirty="0">
                           <a:latin typeface="Calibri"/>
                           <a:ea typeface="Calibri"/>
                           <a:cs typeface="Calibri"/>
@@ -23772,7 +24233,7 @@
                         </a:rPr>
                         <a:t>/</a:t>
                       </a:r>
-                      <a:endParaRPr sz="1800" b="1" i="1">
+                      <a:endParaRPr sz="1800" b="1" i="1" dirty="0">
                         <a:latin typeface="Calibri"/>
                         <a:ea typeface="Calibri"/>
                         <a:cs typeface="Calibri"/>
@@ -23903,7 +24364,13 @@
         <p:nvGraphicFramePr>
           <p:cNvPr id="268" name="Google Shape;268;p38"/>
           <p:cNvGraphicFramePr/>
-          <p:nvPr/>
+          <p:nvPr>
+            <p:extLst>
+              <p:ext uri="{D42A27DB-BD31-4B8C-83A1-F6EECF244321}">
+                <p14:modId xmlns:p14="http://schemas.microsoft.com/office/powerpoint/2010/main" val="2298095369"/>
+              </p:ext>
+            </p:extLst>
+          </p:nvPr>
         </p:nvGraphicFramePr>
         <p:xfrm>
           <a:off x="1820900" y="220150"/>
@@ -23951,30 +24418,14 @@
                         <a:buNone/>
                       </a:pPr>
                       <a:r>
-                        <a:rPr lang="en" sz="1000">
+                        <a:rPr lang="en" sz="1000" dirty="0">
                           <a:solidFill>
                             <a:srgbClr val="F3F3F3"/>
                           </a:solidFill>
                         </a:rPr>
-                        <a:t>Kriterium (Priorität </a:t>
+                        <a:t>Kriterium (Priorität ▼)</a:t>
                       </a:r>
-                      <a:r>
-                        <a:rPr lang="en" sz="1100">
-                          <a:solidFill>
-                            <a:srgbClr val="F3F3F3"/>
-                          </a:solidFill>
-                        </a:rPr>
-                        <a:t>🠗</a:t>
-                      </a:r>
-                      <a:r>
-                        <a:rPr lang="en" sz="1000">
-                          <a:solidFill>
-                            <a:srgbClr val="F3F3F3"/>
-                          </a:solidFill>
-                        </a:rPr>
-                        <a:t>)</a:t>
-                      </a:r>
-                      <a:endParaRPr sz="1000">
+                      <a:endParaRPr sz="1000" dirty="0">
                         <a:solidFill>
                           <a:srgbClr val="F3F3F3"/>
                         </a:solidFill>
@@ -24347,10 +24798,18 @@
                         <a:buNone/>
                       </a:pPr>
                       <a:r>
-                        <a:rPr lang="en" sz="1000"/>
-                        <a:t>Alle mit der App verbunden Bedürnisse und Anforderungen sollten erfüllt werden</a:t>
+                        <a:rPr lang="en" sz="1000" dirty="0"/>
+                        <a:t>Alle mit der App verbunden Bedür</a:t>
                       </a:r>
-                      <a:endParaRPr sz="1000"/>
+                      <a:r>
+                        <a:rPr lang="de-DE" sz="1000" dirty="0"/>
+                        <a:t>f</a:t>
+                      </a:r>
+                      <a:r>
+                        <a:rPr lang="en" sz="1000" dirty="0"/>
+                        <a:t>nisse und Anforderungen sollten erfüllt werden</a:t>
+                      </a:r>
+                      <a:endParaRPr sz="1000" dirty="0"/>
                     </a:p>
                   </a:txBody>
                   <a:tcPr marL="28575" marR="28575" marT="19050" marB="19050" anchor="b">
@@ -25241,10 +25700,10 @@
                         <a:buNone/>
                       </a:pPr>
                       <a:r>
-                        <a:rPr lang="en" sz="1000"/>
+                        <a:rPr lang="en" sz="1000" dirty="0"/>
                         <a:t>Die Performance ist aufgrund der einfachen Anforderungen nicht wichtig, solange sie sich nicht merklich auf die Nutzererfahrung auswirkt</a:t>
                       </a:r>
-                      <a:endParaRPr sz="1000"/>
+                      <a:endParaRPr sz="1000" dirty="0"/>
                     </a:p>
                   </a:txBody>
                   <a:tcPr marL="28575" marR="28575" marT="19050" marB="19050" anchor="b">
@@ -25768,7 +26227,7 @@
         </p:nvGraphicFramePr>
         <p:xfrm>
           <a:off x="795438" y="692650"/>
-          <a:ext cx="3000000" cy="3000000"/>
+          <a:ext cx="7553125" cy="3937800"/>
         </p:xfrm>
         <a:graphic>
           <a:graphicData uri="http://schemas.openxmlformats.org/drawingml/2006/table">
@@ -27068,7 +27527,7 @@
         </p:nvGraphicFramePr>
         <p:xfrm>
           <a:off x="0" y="152400"/>
-          <a:ext cx="3000000" cy="3000000"/>
+          <a:ext cx="9144000" cy="4542156"/>
         </p:xfrm>
         <a:graphic>
           <a:graphicData uri="http://schemas.openxmlformats.org/drawingml/2006/table">

--- a/presentation.pptx
+++ b/presentation.pptx
@@ -18276,14 +18276,14 @@
           <p:nvPr>
             <p:extLst>
               <p:ext uri="{D42A27DB-BD31-4B8C-83A1-F6EECF244321}">
-                <p14:modId xmlns:p14="http://schemas.microsoft.com/office/powerpoint/2010/main" val="513926666"/>
+                <p14:modId xmlns:p14="http://schemas.microsoft.com/office/powerpoint/2010/main" val="3230179131"/>
               </p:ext>
             </p:extLst>
           </p:nvPr>
         </p:nvGraphicFramePr>
         <p:xfrm>
           <a:off x="1864575" y="234325"/>
-          <a:ext cx="6977925" cy="4717350"/>
+          <a:ext cx="7094151" cy="4717350"/>
         </p:xfrm>
         <a:graphic>
           <a:graphicData uri="http://schemas.openxmlformats.org/drawingml/2006/table">
@@ -18293,28 +18293,28 @@
                 <a:tableStyleId>{D27C064D-90EB-4798-9A18-A089F428169C}</a:tableStyleId>
               </a:tblPr>
               <a:tblGrid>
-                <a:gridCol w="775325">
+                <a:gridCol w="816061">
                   <a:extLst>
                     <a:ext uri="{9D8B030D-6E8A-4147-A177-3AD203B41FA5}">
                       <a16:colId xmlns:a16="http://schemas.microsoft.com/office/drawing/2014/main" val="20000"/>
                     </a:ext>
                   </a:extLst>
                 </a:gridCol>
-                <a:gridCol w="775325">
+                <a:gridCol w="734589">
                   <a:extLst>
                     <a:ext uri="{9D8B030D-6E8A-4147-A177-3AD203B41FA5}">
                       <a16:colId xmlns:a16="http://schemas.microsoft.com/office/drawing/2014/main" val="20001"/>
                     </a:ext>
                   </a:extLst>
                 </a:gridCol>
-                <a:gridCol w="775325">
+                <a:gridCol w="823913">
                   <a:extLst>
                     <a:ext uri="{9D8B030D-6E8A-4147-A177-3AD203B41FA5}">
                       <a16:colId xmlns:a16="http://schemas.microsoft.com/office/drawing/2014/main" val="20002"/>
                     </a:ext>
                   </a:extLst>
                 </a:gridCol>
-                <a:gridCol w="775325">
+                <a:gridCol w="842963">
                   <a:extLst>
                     <a:ext uri="{9D8B030D-6E8A-4147-A177-3AD203B41FA5}">
                       <a16:colId xmlns:a16="http://schemas.microsoft.com/office/drawing/2014/main" val="20003"/>
@@ -19129,7 +19129,7 @@
                         <a:buNone/>
                       </a:pPr>
                       <a:r>
-                        <a:rPr lang="en" sz="1800" b="1">
+                        <a:rPr lang="en" sz="1800" b="1" i="1" dirty="0">
                           <a:latin typeface="Calibri"/>
                           <a:ea typeface="Calibri"/>
                           <a:cs typeface="Calibri"/>
@@ -19137,7 +19137,7 @@
                         </a:rPr>
                         <a:t>/</a:t>
                       </a:r>
-                      <a:endParaRPr sz="1800" b="1">
+                      <a:endParaRPr sz="1800" b="1" i="1" dirty="0">
                         <a:latin typeface="Calibri"/>
                         <a:ea typeface="Calibri"/>
                         <a:cs typeface="Calibri"/>
@@ -20609,7 +20609,7 @@
                         <a:buNone/>
                       </a:pPr>
                       <a:r>
-                        <a:rPr lang="en" sz="2400" b="1"/>
+                        <a:rPr lang="en" sz="2400" b="1" dirty="0"/>
                         <a:t>↑</a:t>
                       </a:r>
                       <a:endParaRPr sz="2400" b="1" dirty="0"/>
